--- a/Doc/QT SDK Introduction.pptx
+++ b/Doc/QT SDK Introduction.pptx
@@ -351,7 +351,7 @@
           <a:p>
             <a:fld id="{2069C06D-4ED8-42C6-905D-CA84CA1B6CBF}" type="datetime2">
               <a:rPr lang="en-US" smtClean="0"/>
-              <a:t>Thursday, October 29, 2015</a:t>
+              <a:t>Friday, October 30, 2015</a:t>
             </a:fld>
             <a:endParaRPr lang="en-US" dirty="0"/>
           </a:p>
@@ -574,7 +574,7 @@
           <a:p>
             <a:fld id="{A56EEE0E-EDB0-4D84-86B0-50833DF22902}" type="datetime2">
               <a:rPr lang="en-US" smtClean="0"/>
-              <a:t>Thursday, October 29, 2015</a:t>
+              <a:t>Friday, October 30, 2015</a:t>
             </a:fld>
             <a:endParaRPr lang="en-US"/>
           </a:p>
@@ -843,7 +843,7 @@
           <a:p>
             <a:fld id="{5114372C-B5AB-4C39-B273-B99224EB4DD5}" type="datetime2">
               <a:rPr lang="en-US" smtClean="0"/>
-              <a:t>Thursday, October 29, 2015</a:t>
+              <a:t>Friday, October 30, 2015</a:t>
             </a:fld>
             <a:endParaRPr lang="en-US"/>
           </a:p>
@@ -1094,7 +1094,7 @@
           <a:p>
             <a:fld id="{14CB1CAA-32CD-4B55-B92A-B8F0843CACF4}" type="datetime2">
               <a:rPr lang="en-US" smtClean="0"/>
-              <a:t>Thursday, October 29, 2015</a:t>
+              <a:t>Friday, October 30, 2015</a:t>
             </a:fld>
             <a:endParaRPr lang="en-US" dirty="0"/>
           </a:p>
@@ -1354,7 +1354,7 @@
           <a:p>
             <a:fld id="{3AD8CDC4-3D19-4983-B478-82F6B8E5AB66}" type="datetime2">
               <a:rPr lang="en-US" smtClean="0"/>
-              <a:t>Thursday, October 29, 2015</a:t>
+              <a:t>Friday, October 30, 2015</a:t>
             </a:fld>
             <a:endParaRPr lang="en-US" dirty="0"/>
           </a:p>
@@ -1720,7 +1720,7 @@
           <a:p>
             <a:fld id="{84B82477-D5D3-4181-8C11-75D0F2433A87}" type="datetime2">
               <a:rPr lang="en-US" smtClean="0"/>
-              <a:t>Thursday, October 29, 2015</a:t>
+              <a:t>Friday, October 30, 2015</a:t>
             </a:fld>
             <a:endParaRPr lang="en-US" dirty="0"/>
           </a:p>
@@ -2219,7 +2219,7 @@
           <a:p>
             <a:fld id="{213E253B-1893-4367-8BAE-DF4BC10DC578}" type="datetime2">
               <a:rPr lang="en-US" smtClean="0"/>
-              <a:t>Thursday, October 29, 2015</a:t>
+              <a:t>Friday, October 30, 2015</a:t>
             </a:fld>
             <a:endParaRPr lang="en-US" dirty="0"/>
           </a:p>
@@ -2414,7 +2414,7 @@
           <a:p>
             <a:fld id="{8B62300D-25B3-4603-86C9-4CB776489F00}" type="datetime2">
               <a:rPr lang="en-US" smtClean="0"/>
-              <a:t>Thursday, October 29, 2015</a:t>
+              <a:t>Friday, October 30, 2015</a:t>
             </a:fld>
             <a:endParaRPr lang="en-US" dirty="0"/>
           </a:p>
@@ -2586,7 +2586,7 @@
           <a:p>
             <a:fld id="{C6314AD9-FCC8-48B7-B85B-012A91320DFF}" type="datetime2">
               <a:rPr lang="en-US" smtClean="0"/>
-              <a:t>Thursday, October 29, 2015</a:t>
+              <a:t>Friday, October 30, 2015</a:t>
             </a:fld>
             <a:endParaRPr lang="en-US" dirty="0"/>
           </a:p>
@@ -2987,7 +2987,7 @@
           <a:p>
             <a:fld id="{3182DC50-D5DB-4F94-B367-9876CD2C4012}" type="datetime2">
               <a:rPr lang="en-US" smtClean="0"/>
-              <a:t>Thursday, October 29, 2015</a:t>
+              <a:t>Friday, October 30, 2015</a:t>
             </a:fld>
             <a:endParaRPr lang="en-US" dirty="0"/>
           </a:p>
@@ -3368,7 +3368,7 @@
           <a:p>
             <a:fld id="{292EB412-E790-42EA-81FE-2925D3A43D91}" type="datetime2">
               <a:rPr lang="en-US" smtClean="0"/>
-              <a:t>Thursday, October 29, 2015</a:t>
+              <a:t>Friday, October 30, 2015</a:t>
             </a:fld>
             <a:endParaRPr lang="en-US" dirty="0"/>
           </a:p>
@@ -3643,7 +3643,7 @@
           <a:p>
             <a:fld id="{0B385921-A91A-409C-921C-0E0EC1E750EC}" type="datetime2">
               <a:rPr lang="en-US" smtClean="0"/>
-              <a:t>Thursday, October 29, 2015</a:t>
+              <a:t>Friday, October 30, 2015</a:t>
             </a:fld>
             <a:endParaRPr lang="en-US" dirty="0"/>
           </a:p>
@@ -4135,7 +4135,7 @@
           <a:p>
             <a:fld id="{2069C06D-4ED8-42C6-905D-CA84CA1B6CBF}" type="datetime2">
               <a:rPr lang="en-US" smtClean="0"/>
-              <a:t>Thursday, October 29, 2015</a:t>
+              <a:t>Friday, October 30, 2015</a:t>
             </a:fld>
             <a:endParaRPr lang="en-US" dirty="0"/>
           </a:p>
@@ -4294,7 +4294,7 @@
           <a:p>
             <a:fld id="{14CB1CAA-32CD-4B55-B92A-B8F0843CACF4}" type="datetime2">
               <a:rPr lang="en-US" smtClean="0"/>
-              <a:t>Thursday, October 29, 2015</a:t>
+              <a:t>Friday, October 30, 2015</a:t>
             </a:fld>
             <a:endParaRPr lang="en-US" dirty="0"/>
           </a:p>
@@ -4669,7 +4669,7 @@
           <a:p>
             <a:fld id="{14CB1CAA-32CD-4B55-B92A-B8F0843CACF4}" type="datetime2">
               <a:rPr lang="en-US" smtClean="0"/>
-              <a:t>Thursday, October 29, 2015</a:t>
+              <a:t>Friday, October 30, 2015</a:t>
             </a:fld>
             <a:endParaRPr lang="en-US" dirty="0"/>
           </a:p>
@@ -4814,7 +4814,7 @@
           <a:p>
             <a:fld id="{14CB1CAA-32CD-4B55-B92A-B8F0843CACF4}" type="datetime2">
               <a:rPr lang="en-US" smtClean="0"/>
-              <a:t>Thursday, October 29, 2015</a:t>
+              <a:t>Friday, October 30, 2015</a:t>
             </a:fld>
             <a:endParaRPr lang="en-US" dirty="0"/>
           </a:p>
@@ -5010,8 +5010,44 @@
           <a:p>
             <a:r>
               <a:rPr lang="en-US" altLang="zh-CN" dirty="0" smtClean="0"/>
-              <a:t>The AppData.cpp plays the video:</a:t>
-            </a:r>
+              <a:t>The AppData.cpp </a:t>
+            </a:r>
+            <a:r>
+              <a:rPr lang="en-US" altLang="zh-CN" dirty="0" smtClean="0"/>
+              <a:t>receives the message:</a:t>
+            </a:r>
+          </a:p>
+          <a:p>
+            <a:endParaRPr lang="en-US" altLang="zh-CN" dirty="0" smtClean="0"/>
+          </a:p>
+          <a:p>
+            <a:endParaRPr lang="en-US" altLang="zh-CN" dirty="0"/>
+          </a:p>
+          <a:p>
+            <a:r>
+              <a:rPr lang="en-US" altLang="zh-CN" dirty="0" smtClean="0"/>
+              <a:t>The VideoStream.cpp uses the </a:t>
+            </a:r>
+            <a:r>
+              <a:rPr lang="en-US" altLang="zh-CN" dirty="0" err="1" smtClean="0"/>
+              <a:t>ffmpeg</a:t>
+            </a:r>
+            <a:r>
+              <a:rPr lang="en-US" altLang="zh-CN" dirty="0" smtClean="0"/>
+              <a:t> to play the video:</a:t>
+            </a:r>
+            <a:endParaRPr lang="en-US" altLang="zh-CN" dirty="0"/>
+          </a:p>
+          <a:p>
+            <a:endParaRPr lang="en-US" altLang="zh-CN" dirty="0" smtClean="0"/>
+          </a:p>
+          <a:p>
+            <a:endParaRPr lang="en-US" altLang="zh-CN" dirty="0"/>
+          </a:p>
+          <a:p>
+            <a:pPr marL="0" indent="0">
+              <a:buNone/>
+            </a:pPr>
             <a:endParaRPr lang="zh-CN" altLang="en-US" dirty="0"/>
           </a:p>
         </p:txBody>
@@ -5033,7 +5069,7 @@
           <a:p>
             <a:fld id="{14CB1CAA-32CD-4B55-B92A-B8F0843CACF4}" type="datetime2">
               <a:rPr lang="en-US" smtClean="0"/>
-              <a:t>Thursday, October 29, 2015</a:t>
+              <a:t>Friday, October 30, 2015</a:t>
             </a:fld>
             <a:endParaRPr lang="en-US" dirty="0"/>
           </a:p>
@@ -5115,6 +5151,47 @@
           </a:ln>
         </p:spPr>
       </p:pic>
+      <p:pic>
+        <p:nvPicPr>
+          <p:cNvPr id="1025" name="Picture 1" descr="C:\Users\Administrator\AppData\Roaming\Tencent\Users\16520517\QQ\WinTemp\RichOle\~@%G@}86240I[0OPXP92LY5.png"/>
+          <p:cNvPicPr>
+            <a:picLocks noChangeAspect="1" noChangeArrowheads="1"/>
+          </p:cNvPicPr>
+          <p:nvPr/>
+        </p:nvPicPr>
+        <p:blipFill>
+          <a:blip r:embed="rId3">
+            <a:extLst>
+              <a:ext uri="{28A0092B-C50C-407E-A947-70E740481C1C}">
+                <a14:useLocalDpi xmlns:a14="http://schemas.microsoft.com/office/drawing/2010/main" val="0"/>
+              </a:ext>
+            </a:extLst>
+          </a:blip>
+          <a:srcRect/>
+          <a:stretch>
+            <a:fillRect/>
+          </a:stretch>
+        </p:blipFill>
+        <p:spPr bwMode="auto">
+          <a:xfrm>
+            <a:off x="1008856" y="4509120"/>
+            <a:ext cx="5867400" cy="1371600"/>
+          </a:xfrm>
+          <a:prstGeom prst="rect">
+            <a:avLst/>
+          </a:prstGeom>
+          <a:noFill/>
+          <a:extLst>
+            <a:ext uri="{909E8E84-426E-40DD-AFC4-6F175D3DCCD1}">
+              <a14:hiddenFill xmlns:a14="http://schemas.microsoft.com/office/drawing/2010/main">
+                <a:solidFill>
+                  <a:srgbClr val="FFFFFF"/>
+                </a:solidFill>
+              </a14:hiddenFill>
+            </a:ext>
+          </a:extLst>
+        </p:spPr>
+      </p:pic>
     </p:spTree>
     <p:extLst>
       <p:ext uri="{BB962C8B-B14F-4D97-AF65-F5344CB8AC3E}">
@@ -5243,7 +5320,7 @@
           <a:p>
             <a:fld id="{14CB1CAA-32CD-4B55-B92A-B8F0843CACF4}" type="datetime2">
               <a:rPr lang="en-US" smtClean="0"/>
-              <a:t>Thursday, October 29, 2015</a:t>
+              <a:t>Friday, October 30, 2015</a:t>
             </a:fld>
             <a:endParaRPr lang="en-US" dirty="0"/>
           </a:p>
@@ -5381,7 +5458,7 @@
           <a:p>
             <a:fld id="{14CB1CAA-32CD-4B55-B92A-B8F0843CACF4}" type="datetime2">
               <a:rPr lang="en-US" smtClean="0"/>
-              <a:t>Thursday, October 29, 2015</a:t>
+              <a:t>Friday, October 30, 2015</a:t>
             </a:fld>
             <a:endParaRPr lang="en-US" dirty="0"/>
           </a:p>
@@ -5573,7 +5650,7 @@
           <a:p>
             <a:fld id="{14CB1CAA-32CD-4B55-B92A-B8F0843CACF4}" type="datetime2">
               <a:rPr lang="en-US" smtClean="0"/>
-              <a:t>Thursday, October 29, 2015</a:t>
+              <a:t>Friday, October 30, 2015</a:t>
             </a:fld>
             <a:endParaRPr lang="en-US" dirty="0"/>
           </a:p>
@@ -5765,7 +5842,7 @@
           <a:p>
             <a:fld id="{14CB1CAA-32CD-4B55-B92A-B8F0843CACF4}" type="datetime2">
               <a:rPr lang="en-US" smtClean="0"/>
-              <a:t>Thursday, October 29, 2015</a:t>
+              <a:t>Friday, October 30, 2015</a:t>
             </a:fld>
             <a:endParaRPr lang="en-US" dirty="0"/>
           </a:p>
@@ -5957,7 +6034,7 @@
           <a:p>
             <a:fld id="{14CB1CAA-32CD-4B55-B92A-B8F0843CACF4}" type="datetime2">
               <a:rPr lang="en-US" smtClean="0"/>
-              <a:t>Thursday, October 29, 2015</a:t>
+              <a:t>Friday, October 30, 2015</a:t>
             </a:fld>
             <a:endParaRPr lang="en-US" dirty="0"/>
           </a:p>
@@ -6149,7 +6226,7 @@
           <a:p>
             <a:fld id="{14CB1CAA-32CD-4B55-B92A-B8F0843CACF4}" type="datetime2">
               <a:rPr lang="en-US" smtClean="0"/>
-              <a:t>Thursday, October 29, 2015</a:t>
+              <a:t>Friday, October 30, 2015</a:t>
             </a:fld>
             <a:endParaRPr lang="en-US" dirty="0"/>
           </a:p>
@@ -6384,7 +6461,7 @@
           <a:p>
             <a:fld id="{14CB1CAA-32CD-4B55-B92A-B8F0843CACF4}" type="datetime2">
               <a:rPr lang="en-US" smtClean="0"/>
-              <a:t>Thursday, October 29, 2015</a:t>
+              <a:t>Friday, October 30, 2015</a:t>
             </a:fld>
             <a:endParaRPr lang="en-US" dirty="0"/>
           </a:p>
@@ -6569,7 +6646,7 @@
           <a:p>
             <a:fld id="{14CB1CAA-32CD-4B55-B92A-B8F0843CACF4}" type="datetime2">
               <a:rPr lang="en-US" smtClean="0"/>
-              <a:t>Thursday, October 29, 2015</a:t>
+              <a:t>Friday, October 30, 2015</a:t>
             </a:fld>
             <a:endParaRPr lang="en-US" dirty="0"/>
           </a:p>
@@ -6665,19 +6742,7 @@
           <a:p>
             <a:r>
               <a:rPr lang="en-US" altLang="zh-CN" dirty="0" smtClean="0"/>
-              <a:t>To compile </a:t>
-            </a:r>
-            <a:r>
-              <a:rPr lang="en-US" altLang="zh-CN" dirty="0" smtClean="0"/>
-              <a:t>for</a:t>
-            </a:r>
-            <a:r>
-              <a:rPr lang="en-US" altLang="zh-CN" dirty="0" smtClean="0"/>
-              <a:t> </a:t>
-            </a:r>
-            <a:r>
-              <a:rPr lang="en-US" altLang="zh-CN" dirty="0" smtClean="0"/>
-              <a:t>Ubuntu</a:t>
+              <a:t>To compile for Ubuntu</a:t>
             </a:r>
             <a:endParaRPr lang="zh-CN" altLang="en-US" dirty="0"/>
           </a:p>
@@ -6741,11 +6806,7 @@
           <a:p>
             <a:r>
               <a:rPr lang="en-US" altLang="zh-CN" dirty="0" smtClean="0"/>
-              <a:t>Compile </a:t>
-            </a:r>
-            <a:r>
-              <a:rPr lang="en-US" altLang="zh-CN" dirty="0" smtClean="0"/>
-              <a:t>the project.</a:t>
+              <a:t>Compile the project.</a:t>
             </a:r>
           </a:p>
           <a:p>
@@ -6765,19 +6826,7 @@
           <a:p>
             <a:r>
               <a:rPr lang="en-US" altLang="zh-CN" dirty="0" smtClean="0"/>
-              <a:t>Copy the </a:t>
-            </a:r>
-            <a:r>
-              <a:rPr lang="en-US" altLang="zh-CN" dirty="0" smtClean="0"/>
-              <a:t>libraries </a:t>
-            </a:r>
-            <a:r>
-              <a:rPr lang="en-US" altLang="zh-CN" dirty="0" smtClean="0"/>
-              <a:t>in </a:t>
-            </a:r>
-            <a:r>
-              <a:rPr lang="en-US" altLang="zh-CN" dirty="0" smtClean="0"/>
-              <a:t>Library/</a:t>
+              <a:t>Copy the libraries in Library/</a:t>
             </a:r>
             <a:r>
               <a:rPr lang="en-US" altLang="zh-CN" dirty="0" err="1" smtClean="0"/>
@@ -6793,11 +6842,7 @@
             </a:r>
             <a:r>
               <a:rPr lang="en-US" altLang="zh-CN" dirty="0" smtClean="0"/>
-              <a:t> </a:t>
-            </a:r>
-            <a:r>
-              <a:rPr lang="en-US" altLang="zh-CN" dirty="0" smtClean="0"/>
-              <a:t>folder to the output directory.</a:t>
+              <a:t> folder to the output directory.</a:t>
             </a:r>
             <a:endParaRPr lang="zh-CN" altLang="en-US" dirty="0"/>
           </a:p>
@@ -6820,7 +6865,7 @@
           <a:p>
             <a:fld id="{14CB1CAA-32CD-4B55-B92A-B8F0843CACF4}" type="datetime2">
               <a:rPr lang="en-US" smtClean="0"/>
-              <a:t>Thursday, October 29, 2015</a:t>
+              <a:t>Friday, October 30, 2015</a:t>
             </a:fld>
             <a:endParaRPr lang="en-US" dirty="0"/>
           </a:p>
@@ -6916,19 +6961,7 @@
           <a:p>
             <a:r>
               <a:rPr lang="en-US" altLang="zh-CN" dirty="0" smtClean="0"/>
-              <a:t>To compile </a:t>
-            </a:r>
-            <a:r>
-              <a:rPr lang="en-US" altLang="zh-CN" dirty="0" smtClean="0"/>
-              <a:t>for</a:t>
-            </a:r>
-            <a:r>
-              <a:rPr lang="en-US" altLang="zh-CN" dirty="0" smtClean="0"/>
-              <a:t> </a:t>
-            </a:r>
-            <a:r>
-              <a:rPr lang="en-US" altLang="zh-CN" dirty="0" smtClean="0"/>
-              <a:t>Windows</a:t>
+              <a:t>To compile for Windows</a:t>
             </a:r>
             <a:endParaRPr lang="zh-CN" altLang="en-US" dirty="0"/>
           </a:p>
@@ -6991,7 +7024,6 @@
               <a:rPr lang="en-US" altLang="zh-CN" dirty="0" smtClean="0"/>
               <a:t>, Kits in QT. </a:t>
             </a:r>
-            <a:endParaRPr lang="en-US" altLang="zh-CN" dirty="0" smtClean="0"/>
           </a:p>
           <a:p>
             <a:r>
@@ -7039,7 +7071,7 @@
           <a:p>
             <a:fld id="{14CB1CAA-32CD-4B55-B92A-B8F0843CACF4}" type="datetime2">
               <a:rPr lang="en-US" smtClean="0"/>
-              <a:t>Thursday, October 29, 2015</a:t>
+              <a:t>Friday, October 30, 2015</a:t>
             </a:fld>
             <a:endParaRPr lang="en-US" dirty="0"/>
           </a:p>
@@ -7309,7 +7341,7 @@
           <a:p>
             <a:fld id="{14CB1CAA-32CD-4B55-B92A-B8F0843CACF4}" type="datetime2">
               <a:rPr lang="en-US" smtClean="0"/>
-              <a:t>Thursday, October 29, 2015</a:t>
+              <a:t>Friday, October 30, 2015</a:t>
             </a:fld>
             <a:endParaRPr lang="en-US" dirty="0"/>
           </a:p>
@@ -7490,7 +7522,7 @@
           <a:p>
             <a:fld id="{14CB1CAA-32CD-4B55-B92A-B8F0843CACF4}" type="datetime2">
               <a:rPr lang="en-US" smtClean="0"/>
-              <a:t>Thursday, October 29, 2015</a:t>
+              <a:t>Friday, October 30, 2015</a:t>
             </a:fld>
             <a:endParaRPr lang="en-US" dirty="0"/>
           </a:p>
@@ -7609,7 +7641,7 @@
           <a:p>
             <a:fld id="{14CB1CAA-32CD-4B55-B92A-B8F0843CACF4}" type="datetime2">
               <a:rPr lang="en-US" smtClean="0"/>
-              <a:t>Thursday, October 29, 2015</a:t>
+              <a:t>Friday, October 30, 2015</a:t>
             </a:fld>
             <a:endParaRPr lang="en-US" dirty="0"/>
           </a:p>
@@ -7844,7 +7876,7 @@
           <a:p>
             <a:fld id="{14CB1CAA-32CD-4B55-B92A-B8F0843CACF4}" type="datetime2">
               <a:rPr lang="en-US" smtClean="0"/>
-              <a:t>Thursday, October 29, 2015</a:t>
+              <a:t>Friday, October 30, 2015</a:t>
             </a:fld>
             <a:endParaRPr lang="en-US" dirty="0"/>
           </a:p>
@@ -7977,13 +8009,8 @@
             <a:pPr lvl="1"/>
             <a:r>
               <a:rPr lang="en-US" altLang="zh-CN" dirty="0" smtClean="0"/>
-              <a:t>QT: 		For UI development.</a:t>
-            </a:r>
-            <a:r>
-              <a:rPr lang="en-US" altLang="zh-CN" dirty="0" smtClean="0"/>
-              <a:t>	</a:t>
-            </a:r>
-            <a:endParaRPr lang="en-US" altLang="zh-CN" dirty="0" smtClean="0"/>
+              <a:t>QT: 		For UI development.	</a:t>
+            </a:r>
           </a:p>
           <a:p>
             <a:pPr lvl="1"/>
@@ -8028,7 +8055,7 @@
           <a:p>
             <a:fld id="{14CB1CAA-32CD-4B55-B92A-B8F0843CACF4}" type="datetime2">
               <a:rPr lang="en-US" smtClean="0"/>
-              <a:t>Thursday, October 29, 2015</a:t>
+              <a:t>Friday, October 30, 2015</a:t>
             </a:fld>
             <a:endParaRPr lang="en-US" dirty="0"/>
           </a:p>
@@ -8277,7 +8304,7 @@
           <a:p>
             <a:fld id="{14CB1CAA-32CD-4B55-B92A-B8F0843CACF4}" type="datetime2">
               <a:rPr lang="en-US" smtClean="0"/>
-              <a:t>Thursday, October 29, 2015</a:t>
+              <a:t>Friday, October 30, 2015</a:t>
             </a:fld>
             <a:endParaRPr lang="en-US" dirty="0"/>
           </a:p>
@@ -8512,7 +8539,7 @@
           <a:p>
             <a:fld id="{14CB1CAA-32CD-4B55-B92A-B8F0843CACF4}" type="datetime2">
               <a:rPr lang="en-US" smtClean="0"/>
-              <a:t>Thursday, October 29, 2015</a:t>
+              <a:t>Friday, October 30, 2015</a:t>
             </a:fld>
             <a:endParaRPr lang="en-US" dirty="0"/>
           </a:p>
@@ -8702,11 +8729,7 @@
           <a:p>
             <a:r>
               <a:rPr lang="en-US" altLang="zh-CN" dirty="0" smtClean="0"/>
-              <a:t>To connect to </a:t>
-            </a:r>
-            <a:r>
-              <a:rPr lang="en-US" altLang="zh-CN" dirty="0" smtClean="0"/>
-              <a:t>SDL </a:t>
+              <a:t>To connect to SDL </a:t>
             </a:r>
             <a:r>
               <a:rPr lang="en-US" altLang="zh-CN" sz="1600" b="1" dirty="0" smtClean="0">
@@ -8720,7 +8743,6 @@
               <a:rPr lang="en-US" altLang="zh-CN" dirty="0" smtClean="0"/>
               <a:t>:</a:t>
             </a:r>
-            <a:endParaRPr lang="en-US" altLang="zh-CN" dirty="0" smtClean="0"/>
           </a:p>
           <a:p>
             <a:endParaRPr lang="en-US" altLang="zh-CN" dirty="0" smtClean="0"/>
@@ -8768,7 +8790,7 @@
           <a:p>
             <a:fld id="{14CB1CAA-32CD-4B55-B92A-B8F0843CACF4}" type="datetime2">
               <a:rPr lang="en-US" smtClean="0"/>
-              <a:t>Thursday, October 29, 2015</a:t>
+              <a:t>Friday, October 30, 2015</a:t>
             </a:fld>
             <a:endParaRPr lang="en-US" dirty="0"/>
           </a:p>
@@ -9068,7 +9090,7 @@
           <a:p>
             <a:fld id="{14CB1CAA-32CD-4B55-B92A-B8F0843CACF4}" type="datetime2">
               <a:rPr lang="en-US" smtClean="0"/>
-              <a:t>Thursday, October 29, 2015</a:t>
+              <a:t>Friday, October 30, 2015</a:t>
             </a:fld>
             <a:endParaRPr lang="en-US" dirty="0"/>
           </a:p>
@@ -9300,7 +9322,7 @@
           <a:p>
             <a:fld id="{14CB1CAA-32CD-4B55-B92A-B8F0843CACF4}" type="datetime2">
               <a:rPr lang="en-US" smtClean="0"/>
-              <a:t>Thursday, October 29, 2015</a:t>
+              <a:t>Friday, October 30, 2015</a:t>
             </a:fld>
             <a:endParaRPr lang="en-US" dirty="0"/>
           </a:p>
